--- a/source/Samples/MultisequenceLearningSE_Project/Documentation/ML-23-24-09 Approve Prediction of Multisequence Learning_Team_STN-Project_Presentation.pptx
+++ b/source/Samples/MultisequenceLearningSE_Project/Documentation/ML-23-24-09 Approve Prediction of Multisequence Learning_Team_STN-Project_Presentation.pptx
@@ -216,7 +216,7 @@
           <a:p>
             <a:fld id="{A8510A8F-EF3D-4B94-B8DD-8A559847BC33}" type="datetimeFigureOut">
               <a:rPr lang="en-GB" smtClean="0"/>
-              <a:t>03/03/2024</a:t>
+              <a:t>17/03/2024</a:t>
             </a:fld>
             <a:endParaRPr lang="en-GB"/>
           </a:p>
@@ -1206,7 +1206,7 @@
             <a:pPr algn="l"/>
             <a:fld id="{9DAE42CC-54F2-4371-8B7D-45825AA60A72}" type="datetime1">
               <a:rPr lang="en-US" smtClean="0"/>
-              <a:t>3/3/2024</a:t>
+              <a:t>3/17/2024</a:t>
             </a:fld>
             <a:endParaRPr lang="en-US" dirty="0"/>
           </a:p>
@@ -1461,7 +1461,7 @@
           <a:p>
             <a:fld id="{096C6D71-8318-4449-B227-5AA4B577259A}" type="datetime1">
               <a:rPr lang="en-US" smtClean="0"/>
-              <a:t>3/3/2024</a:t>
+              <a:t>3/17/2024</a:t>
             </a:fld>
             <a:endParaRPr lang="en-US" dirty="0"/>
           </a:p>
@@ -1780,7 +1780,7 @@
           <a:p>
             <a:fld id="{C2468C91-2E43-45E7-800F-563DFCB6DBD8}" type="datetime1">
               <a:rPr lang="en-US" smtClean="0"/>
-              <a:t>3/3/2024</a:t>
+              <a:t>3/17/2024</a:t>
             </a:fld>
             <a:endParaRPr lang="en-US" dirty="0"/>
           </a:p>
@@ -2126,7 +2126,7 @@
           <a:p>
             <a:fld id="{40314DC1-98ED-47DD-AF67-736B46081A34}" type="datetime1">
               <a:rPr lang="en-US" smtClean="0"/>
-              <a:t>3/3/2024</a:t>
+              <a:t>3/17/2024</a:t>
             </a:fld>
             <a:endParaRPr lang="en-US" dirty="0"/>
           </a:p>
@@ -2445,7 +2445,7 @@
           <a:p>
             <a:fld id="{903B70CD-F29B-45E9-B39E-3F66A33B3463}" type="datetime1">
               <a:rPr lang="en-US" smtClean="0"/>
-              <a:t>3/3/2024</a:t>
+              <a:t>3/17/2024</a:t>
             </a:fld>
             <a:endParaRPr lang="en-US" dirty="0"/>
           </a:p>
@@ -2843,7 +2843,7 @@
           <a:p>
             <a:fld id="{8746C76B-08CA-47EF-8322-5E35FF2B6C62}" type="datetime1">
               <a:rPr lang="en-US" smtClean="0"/>
-              <a:t>3/3/2024</a:t>
+              <a:t>3/17/2024</a:t>
             </a:fld>
             <a:endParaRPr lang="en-US" dirty="0"/>
           </a:p>
@@ -3018,7 +3018,7 @@
           <a:p>
             <a:fld id="{34DAC050-3FD3-435C-A76E-04B57AA0571A}" type="datetime1">
               <a:rPr lang="en-US" smtClean="0"/>
-              <a:t>3/3/2024</a:t>
+              <a:t>3/17/2024</a:t>
             </a:fld>
             <a:endParaRPr lang="en-US" dirty="0"/>
           </a:p>
@@ -3202,7 +3202,7 @@
           <a:p>
             <a:fld id="{A4B74034-D052-47F7-B82B-8FE5E38143D8}" type="datetime1">
               <a:rPr lang="en-US" smtClean="0"/>
-              <a:t>3/3/2024</a:t>
+              <a:t>3/17/2024</a:t>
             </a:fld>
             <a:endParaRPr lang="en-US"/>
           </a:p>
@@ -3382,7 +3382,7 @@
           <a:p>
             <a:fld id="{2657DE8A-5CB4-44EE-9744-F301D6131B93}" type="datetime1">
               <a:rPr lang="en-US" smtClean="0"/>
-              <a:t>3/3/2024</a:t>
+              <a:t>3/17/2024</a:t>
             </a:fld>
             <a:endParaRPr lang="en-US" dirty="0"/>
           </a:p>
@@ -3633,7 +3633,7 @@
           <a:p>
             <a:fld id="{5B2D2200-03CD-41DD-B0DF-8792C811816E}" type="datetime1">
               <a:rPr lang="en-US" smtClean="0"/>
-              <a:t>3/3/2024</a:t>
+              <a:t>3/17/2024</a:t>
             </a:fld>
             <a:endParaRPr lang="en-US" dirty="0"/>
           </a:p>
@@ -3869,7 +3869,7 @@
           <a:p>
             <a:fld id="{ABCAD776-474D-4509-8ABD-B76E59C4EA47}" type="datetime1">
               <a:rPr lang="en-US" smtClean="0"/>
-              <a:t>3/3/2024</a:t>
+              <a:t>3/17/2024</a:t>
             </a:fld>
             <a:endParaRPr lang="en-US" dirty="0"/>
           </a:p>
@@ -4247,7 +4247,7 @@
           <a:p>
             <a:fld id="{03D317CA-E6EF-4799-A15F-9FA1B62F5FAD}" type="datetime1">
               <a:rPr lang="en-US" smtClean="0"/>
-              <a:t>3/3/2024</a:t>
+              <a:t>3/17/2024</a:t>
             </a:fld>
             <a:endParaRPr lang="en-US" dirty="0"/>
           </a:p>
@@ -4374,7 +4374,7 @@
           <a:p>
             <a:fld id="{79D49B58-E195-4333-BEB2-A22152AB439D}" type="datetime1">
               <a:rPr lang="en-US" smtClean="0"/>
-              <a:t>3/3/2024</a:t>
+              <a:t>3/17/2024</a:t>
             </a:fld>
             <a:endParaRPr lang="en-US" dirty="0"/>
           </a:p>
@@ -4473,7 +4473,7 @@
           <a:p>
             <a:fld id="{F610B6D6-6985-4098-BA4F-4F5BB359C165}" type="datetime1">
               <a:rPr lang="en-US" smtClean="0"/>
-              <a:t>3/3/2024</a:t>
+              <a:t>3/17/2024</a:t>
             </a:fld>
             <a:endParaRPr lang="en-US" dirty="0"/>
           </a:p>
@@ -4733,7 +4733,7 @@
           <a:p>
             <a:fld id="{17B67C40-D887-419C-BF74-30657AE68D78}" type="datetime1">
               <a:rPr lang="en-US" smtClean="0"/>
-              <a:t>3/3/2024</a:t>
+              <a:t>3/17/2024</a:t>
             </a:fld>
             <a:endParaRPr lang="en-US" dirty="0"/>
           </a:p>
@@ -5000,7 +5000,7 @@
           <a:p>
             <a:fld id="{F07DC399-5085-4C53-864E-53AF786663A6}" type="datetime1">
               <a:rPr lang="en-US" smtClean="0"/>
-              <a:t>3/3/2024</a:t>
+              <a:t>3/17/2024</a:t>
             </a:fld>
             <a:endParaRPr lang="en-US" dirty="0"/>
           </a:p>
@@ -5747,7 +5747,7 @@
           <a:p>
             <a:fld id="{EFC3E194-E3B4-4030-879B-05C9910A0D64}" type="datetime1">
               <a:rPr lang="en-US" smtClean="0"/>
-              <a:t>3/3/2024</a:t>
+              <a:t>3/17/2024</a:t>
             </a:fld>
             <a:endParaRPr lang="en-US" dirty="0"/>
           </a:p>
@@ -8632,12 +8632,41 @@
           </a:p>
         </p:txBody>
       </p:sp>
+      <p:sp>
+        <p:nvSpPr>
+          <p:cNvPr id="3" name="Footer Placeholder 2">
+            <a:extLst>
+              <a:ext uri="{FF2B5EF4-FFF2-40B4-BE49-F238E27FC236}">
+                <a16:creationId xmlns:a16="http://schemas.microsoft.com/office/drawing/2014/main" id="{17F9F0DC-C247-368B-9748-27765CFEB36F}"/>
+              </a:ext>
+            </a:extLst>
+          </p:cNvPr>
+          <p:cNvSpPr>
+            <a:spLocks noGrp="1"/>
+          </p:cNvSpPr>
+          <p:nvPr>
+            <p:ph type="ftr" sz="quarter" idx="11"/>
+          </p:nvPr>
+        </p:nvSpPr>
+        <p:spPr/>
+        <p:txBody>
+          <a:bodyPr/>
+          <a:lstStyle/>
+          <a:p>
+            <a:r>
+              <a:rPr lang="en-GB"/>
+              <a:t>Frankfurt University of Applied Sciences 2023/24</a:t>
+            </a:r>
+            <a:endParaRPr lang="en-US" dirty="0"/>
+          </a:p>
+        </p:txBody>
+      </p:sp>
       <p:pic>
         <p:nvPicPr>
-          <p:cNvPr id="4" name="Picture 3">
+          <p:cNvPr id="6" name="Picture 5" descr="A screenshot of a computer program&#10;&#10;Description automatically generated">
             <a:extLst>
               <a:ext uri="{FF2B5EF4-FFF2-40B4-BE49-F238E27FC236}">
-                <a16:creationId xmlns:a16="http://schemas.microsoft.com/office/drawing/2014/main" id="{813795D1-0007-084C-DADC-7037E20BE057}"/>
+                <a16:creationId xmlns:a16="http://schemas.microsoft.com/office/drawing/2014/main" id="{185B34F4-FC5F-099B-9FEF-B849CB253910}"/>
               </a:ext>
             </a:extLst>
           </p:cNvPr>
@@ -8647,50 +8676,27 @@
           <p:nvPr/>
         </p:nvPicPr>
         <p:blipFill>
-          <a:blip r:embed="rId2"/>
+          <a:blip r:embed="rId2">
+            <a:extLst>
+              <a:ext uri="{28A0092B-C50C-407E-A947-70E740481C1C}">
+                <a14:useLocalDpi xmlns:a14="http://schemas.microsoft.com/office/drawing/2010/main" val="0"/>
+              </a:ext>
+            </a:extLst>
+          </a:blip>
           <a:stretch>
             <a:fillRect/>
           </a:stretch>
         </p:blipFill>
         <p:spPr>
           <a:xfrm>
-            <a:off x="1868392" y="3111712"/>
-            <a:ext cx="4440354" cy="2807479"/>
+            <a:off x="3292811" y="2947063"/>
+            <a:ext cx="2940841" cy="2863802"/>
           </a:xfrm>
           <a:prstGeom prst="rect">
             <a:avLst/>
           </a:prstGeom>
         </p:spPr>
       </p:pic>
-      <p:sp>
-        <p:nvSpPr>
-          <p:cNvPr id="3" name="Footer Placeholder 2">
-            <a:extLst>
-              <a:ext uri="{FF2B5EF4-FFF2-40B4-BE49-F238E27FC236}">
-                <a16:creationId xmlns:a16="http://schemas.microsoft.com/office/drawing/2014/main" id="{17F9F0DC-C247-368B-9748-27765CFEB36F}"/>
-              </a:ext>
-            </a:extLst>
-          </p:cNvPr>
-          <p:cNvSpPr>
-            <a:spLocks noGrp="1"/>
-          </p:cNvSpPr>
-          <p:nvPr>
-            <p:ph type="ftr" sz="quarter" idx="11"/>
-          </p:nvPr>
-        </p:nvSpPr>
-        <p:spPr/>
-        <p:txBody>
-          <a:bodyPr/>
-          <a:lstStyle/>
-          <a:p>
-            <a:r>
-              <a:rPr lang="en-GB"/>
-              <a:t>Frankfurt University of Applied Sciences 2023/24</a:t>
-            </a:r>
-            <a:endParaRPr lang="en-US" dirty="0"/>
-          </a:p>
-        </p:txBody>
-      </p:sp>
     </p:spTree>
     <p:extLst>
       <p:ext uri="{BB962C8B-B14F-4D97-AF65-F5344CB8AC3E}">
